--- a/introduction/src/4_Curriculum/table design/table design.pptx
+++ b/introduction/src/4_Curriculum/table design/table design.pptx
@@ -243,7 +243,7 @@
           <a:p>
             <a:fld id="{7C72007E-CA2A-5F40-B88E-7893CDD6A9E4}" type="datetimeFigureOut">
               <a:rPr kumimoji="1" lang="ko-KR" altLang="en-US" smtClean="0"/>
-              <a:t>2016. 12. 18.</a:t>
+              <a:t>2016. 12. 20.</a:t>
             </a:fld>
             <a:endParaRPr kumimoji="1" lang="ko-KR" altLang="en-US"/>
           </a:p>
@@ -413,7 +413,7 @@
           <a:p>
             <a:fld id="{7C72007E-CA2A-5F40-B88E-7893CDD6A9E4}" type="datetimeFigureOut">
               <a:rPr kumimoji="1" lang="ko-KR" altLang="en-US" smtClean="0"/>
-              <a:t>2016. 12. 18.</a:t>
+              <a:t>2016. 12. 20.</a:t>
             </a:fld>
             <a:endParaRPr kumimoji="1" lang="ko-KR" altLang="en-US"/>
           </a:p>
@@ -593,7 +593,7 @@
           <a:p>
             <a:fld id="{7C72007E-CA2A-5F40-B88E-7893CDD6A9E4}" type="datetimeFigureOut">
               <a:rPr kumimoji="1" lang="ko-KR" altLang="en-US" smtClean="0"/>
-              <a:t>2016. 12. 18.</a:t>
+              <a:t>2016. 12. 20.</a:t>
             </a:fld>
             <a:endParaRPr kumimoji="1" lang="ko-KR" altLang="en-US"/>
           </a:p>
@@ -763,7 +763,7 @@
           <a:p>
             <a:fld id="{7C72007E-CA2A-5F40-B88E-7893CDD6A9E4}" type="datetimeFigureOut">
               <a:rPr kumimoji="1" lang="ko-KR" altLang="en-US" smtClean="0"/>
-              <a:t>2016. 12. 18.</a:t>
+              <a:t>2016. 12. 20.</a:t>
             </a:fld>
             <a:endParaRPr kumimoji="1" lang="ko-KR" altLang="en-US"/>
           </a:p>
@@ -1009,7 +1009,7 @@
           <a:p>
             <a:fld id="{7C72007E-CA2A-5F40-B88E-7893CDD6A9E4}" type="datetimeFigureOut">
               <a:rPr kumimoji="1" lang="ko-KR" altLang="en-US" smtClean="0"/>
-              <a:t>2016. 12. 18.</a:t>
+              <a:t>2016. 12. 20.</a:t>
             </a:fld>
             <a:endParaRPr kumimoji="1" lang="ko-KR" altLang="en-US"/>
           </a:p>
@@ -1241,7 +1241,7 @@
           <a:p>
             <a:fld id="{7C72007E-CA2A-5F40-B88E-7893CDD6A9E4}" type="datetimeFigureOut">
               <a:rPr kumimoji="1" lang="ko-KR" altLang="en-US" smtClean="0"/>
-              <a:t>2016. 12. 18.</a:t>
+              <a:t>2016. 12. 20.</a:t>
             </a:fld>
             <a:endParaRPr kumimoji="1" lang="ko-KR" altLang="en-US"/>
           </a:p>
@@ -1608,7 +1608,7 @@
           <a:p>
             <a:fld id="{7C72007E-CA2A-5F40-B88E-7893CDD6A9E4}" type="datetimeFigureOut">
               <a:rPr kumimoji="1" lang="ko-KR" altLang="en-US" smtClean="0"/>
-              <a:t>2016. 12. 18.</a:t>
+              <a:t>2016. 12. 20.</a:t>
             </a:fld>
             <a:endParaRPr kumimoji="1" lang="ko-KR" altLang="en-US"/>
           </a:p>
@@ -1726,7 +1726,7 @@
           <a:p>
             <a:fld id="{7C72007E-CA2A-5F40-B88E-7893CDD6A9E4}" type="datetimeFigureOut">
               <a:rPr kumimoji="1" lang="ko-KR" altLang="en-US" smtClean="0"/>
-              <a:t>2016. 12. 18.</a:t>
+              <a:t>2016. 12. 20.</a:t>
             </a:fld>
             <a:endParaRPr kumimoji="1" lang="ko-KR" altLang="en-US"/>
           </a:p>
@@ -1821,7 +1821,7 @@
           <a:p>
             <a:fld id="{7C72007E-CA2A-5F40-B88E-7893CDD6A9E4}" type="datetimeFigureOut">
               <a:rPr kumimoji="1" lang="ko-KR" altLang="en-US" smtClean="0"/>
-              <a:t>2016. 12. 18.</a:t>
+              <a:t>2016. 12. 20.</a:t>
             </a:fld>
             <a:endParaRPr kumimoji="1" lang="ko-KR" altLang="en-US"/>
           </a:p>
@@ -2098,7 +2098,7 @@
           <a:p>
             <a:fld id="{7C72007E-CA2A-5F40-B88E-7893CDD6A9E4}" type="datetimeFigureOut">
               <a:rPr kumimoji="1" lang="ko-KR" altLang="en-US" smtClean="0"/>
-              <a:t>2016. 12. 18.</a:t>
+              <a:t>2016. 12. 20.</a:t>
             </a:fld>
             <a:endParaRPr kumimoji="1" lang="ko-KR" altLang="en-US"/>
           </a:p>
@@ -2351,7 +2351,7 @@
           <a:p>
             <a:fld id="{7C72007E-CA2A-5F40-B88E-7893CDD6A9E4}" type="datetimeFigureOut">
               <a:rPr kumimoji="1" lang="ko-KR" altLang="en-US" smtClean="0"/>
-              <a:t>2016. 12. 18.</a:t>
+              <a:t>2016. 12. 20.</a:t>
             </a:fld>
             <a:endParaRPr kumimoji="1" lang="ko-KR" altLang="en-US"/>
           </a:p>
@@ -2564,7 +2564,7 @@
           <a:p>
             <a:fld id="{7C72007E-CA2A-5F40-B88E-7893CDD6A9E4}" type="datetimeFigureOut">
               <a:rPr kumimoji="1" lang="ko-KR" altLang="en-US" smtClean="0"/>
-              <a:t>2016. 12. 18.</a:t>
+              <a:t>2016. 12. 20.</a:t>
             </a:fld>
             <a:endParaRPr kumimoji="1" lang="ko-KR" altLang="en-US"/>
           </a:p>
@@ -2989,14 +2989,14 @@
           <p:nvPr>
             <p:extLst>
               <p:ext uri="{D42A27DB-BD31-4B8C-83A1-F6EECF244321}">
-                <p14:modId xmlns:p14="http://schemas.microsoft.com/office/powerpoint/2010/main" val="966774632"/>
+                <p14:modId xmlns:p14="http://schemas.microsoft.com/office/powerpoint/2010/main" val="1295606762"/>
               </p:ext>
             </p:extLst>
           </p:nvPr>
         </p:nvGraphicFramePr>
         <p:xfrm>
-          <a:off x="-2628906" y="-618926"/>
-          <a:ext cx="17487916" cy="5050196"/>
+          <a:off x="1" y="-2"/>
+          <a:ext cx="12605656" cy="3087567"/>
         </p:xfrm>
         <a:graphic>
           <a:graphicData uri="http://schemas.openxmlformats.org/drawingml/2006/table">
@@ -3006,32 +3006,43 @@
                 <a:tableStyleId>{5C22544A-7EE6-4342-B048-85BDC9FD1C3A}</a:tableStyleId>
               </a:tblPr>
               <a:tblGrid>
-                <a:gridCol w="742956"/>
-                <a:gridCol w="1414463"/>
-                <a:gridCol w="3088956"/>
-                <a:gridCol w="1748791"/>
-                <a:gridCol w="1748791"/>
-                <a:gridCol w="814387"/>
-                <a:gridCol w="1228725"/>
-                <a:gridCol w="3203265"/>
-                <a:gridCol w="1748791"/>
-                <a:gridCol w="1748791"/>
+                <a:gridCol w="538842"/>
+                <a:gridCol w="930728"/>
+                <a:gridCol w="2351315"/>
+                <a:gridCol w="908689"/>
+                <a:gridCol w="1526845"/>
+                <a:gridCol w="536266"/>
+                <a:gridCol w="947057"/>
+                <a:gridCol w="2514600"/>
+                <a:gridCol w="898071"/>
+                <a:gridCol w="1453243"/>
               </a:tblGrid>
-              <a:tr h="767581">
+              <a:tr h="516695">
                 <a:tc>
                   <a:txBody>
                     <a:bodyPr/>
                     <a:lstStyle/>
                     <a:p>
-                      <a:pPr algn="ctr"/>
+                      <a:pPr marL="0" algn="ctr" rtl="0" fontAlgn="ctr">
+                        <a:spcBef>
+                          <a:spcPts val="0"/>
+                        </a:spcBef>
+                        <a:spcAft>
+                          <a:spcPts val="0"/>
+                        </a:spcAft>
+                      </a:pPr>
                       <a:r>
-                        <a:rPr lang="ko-KR" altLang="en-US" b="1" dirty="0">
+                        <a:rPr lang="ko-KR" altLang="en-US" sz="1400" b="1">
                           <a:solidFill>
-                            <a:schemeClr val="bg1"/>
+                            <a:srgbClr val="FFFFFF"/>
                           </a:solidFill>
+                          <a:effectLst/>
                         </a:rPr>
                         <a:t>학기</a:t>
                       </a:r>
+                      <a:endParaRPr lang="ko-KR" altLang="en-US">
+                        <a:effectLst/>
+                      </a:endParaRPr>
                     </a:p>
                   </a:txBody>
                   <a:tcPr anchor="ctr">
@@ -3081,15 +3092,26 @@
                     <a:bodyPr/>
                     <a:lstStyle/>
                     <a:p>
-                      <a:pPr algn="ctr"/>
+                      <a:pPr marL="0" algn="ctr" rtl="0" fontAlgn="ctr">
+                        <a:spcBef>
+                          <a:spcPts val="0"/>
+                        </a:spcBef>
+                        <a:spcAft>
+                          <a:spcPts val="0"/>
+                        </a:spcAft>
+                      </a:pPr>
                       <a:r>
-                        <a:rPr lang="ko-KR" altLang="en-US" b="1">
+                        <a:rPr lang="ko-KR" altLang="en-US" sz="1400" b="1">
                           <a:solidFill>
-                            <a:schemeClr val="bg1"/>
+                            <a:srgbClr val="FFFFFF"/>
                           </a:solidFill>
+                          <a:effectLst/>
                         </a:rPr>
                         <a:t>학수번호</a:t>
                       </a:r>
+                      <a:endParaRPr lang="ko-KR" altLang="en-US">
+                        <a:effectLst/>
+                      </a:endParaRPr>
                     </a:p>
                   </a:txBody>
                   <a:tcPr anchor="ctr">
@@ -3139,15 +3161,26 @@
                     <a:bodyPr/>
                     <a:lstStyle/>
                     <a:p>
-                      <a:pPr algn="ctr"/>
+                      <a:pPr marL="0" algn="ctr" rtl="0" fontAlgn="ctr">
+                        <a:spcBef>
+                          <a:spcPts val="0"/>
+                        </a:spcBef>
+                        <a:spcAft>
+                          <a:spcPts val="0"/>
+                        </a:spcAft>
+                      </a:pPr>
                       <a:r>
-                        <a:rPr lang="ko-KR" altLang="en-US" b="1">
+                        <a:rPr lang="ko-KR" altLang="en-US" sz="1400" b="1">
                           <a:solidFill>
-                            <a:schemeClr val="bg1"/>
+                            <a:srgbClr val="FFFFFF"/>
                           </a:solidFill>
+                          <a:effectLst/>
                         </a:rPr>
                         <a:t>교과목</a:t>
                       </a:r>
+                      <a:endParaRPr lang="ko-KR" altLang="en-US">
+                        <a:effectLst/>
+                      </a:endParaRPr>
                     </a:p>
                   </a:txBody>
                   <a:tcPr anchor="ctr">
@@ -3197,15 +3230,26 @@
                     <a:bodyPr/>
                     <a:lstStyle/>
                     <a:p>
-                      <a:pPr algn="ctr"/>
+                      <a:pPr marL="0" algn="ctr" rtl="0" fontAlgn="ctr">
+                        <a:spcBef>
+                          <a:spcPts val="0"/>
+                        </a:spcBef>
+                        <a:spcAft>
+                          <a:spcPts val="0"/>
+                        </a:spcAft>
+                      </a:pPr>
                       <a:r>
-                        <a:rPr lang="ko-KR" altLang="en-US" b="1">
+                        <a:rPr lang="ko-KR" altLang="en-US" sz="1400" b="1">
                           <a:solidFill>
-                            <a:schemeClr val="bg1"/>
+                            <a:srgbClr val="FFFFFF"/>
                           </a:solidFill>
+                          <a:effectLst/>
                         </a:rPr>
                         <a:t>과목구분</a:t>
                       </a:r>
+                      <a:endParaRPr lang="ko-KR" altLang="en-US">
+                        <a:effectLst/>
+                      </a:endParaRPr>
                     </a:p>
                   </a:txBody>
                   <a:tcPr anchor="ctr">
@@ -3255,47 +3299,64 @@
                     <a:bodyPr/>
                     <a:lstStyle/>
                     <a:p>
-                      <a:pPr algn="ctr"/>
+                      <a:pPr marL="0" algn="ctr" rtl="0" fontAlgn="ctr">
+                        <a:spcBef>
+                          <a:spcPts val="0"/>
+                        </a:spcBef>
+                        <a:spcAft>
+                          <a:spcPts val="0"/>
+                        </a:spcAft>
+                      </a:pPr>
                       <a:r>
-                        <a:rPr lang="ko-KR" altLang="en-US" b="1">
+                        <a:rPr lang="ko-KR" altLang="en-US" sz="1400" b="1">
                           <a:solidFill>
-                            <a:schemeClr val="bg1"/>
+                            <a:srgbClr val="FFFFFF"/>
                           </a:solidFill>
+                          <a:effectLst/>
                         </a:rPr>
                         <a:t>학점</a:t>
                       </a:r>
                       <a:r>
-                        <a:rPr lang="en-US" altLang="ko-KR" b="1">
+                        <a:rPr lang="en-US" altLang="ko-KR" sz="1800" b="1">
                           <a:solidFill>
-                            <a:schemeClr val="bg1"/>
+                            <a:srgbClr val="FFFFFF"/>
                           </a:solidFill>
+                          <a:effectLst/>
+                          <a:latin typeface="맑은 고딕" charset="-127"/>
                         </a:rPr>
                         <a:t>-</a:t>
                       </a:r>
                       <a:r>
-                        <a:rPr lang="ko-KR" altLang="en-US" b="1">
+                        <a:rPr lang="ko-KR" altLang="en-US" sz="1400" b="1">
                           <a:solidFill>
-                            <a:schemeClr val="bg1"/>
+                            <a:srgbClr val="FFFFFF"/>
                           </a:solidFill>
+                          <a:effectLst/>
                         </a:rPr>
                         <a:t>강의</a:t>
                       </a:r>
                       <a:r>
-                        <a:rPr lang="en-US" altLang="ko-KR" b="1">
+                        <a:rPr lang="en-US" altLang="ko-KR" sz="1800" b="1">
                           <a:solidFill>
-                            <a:schemeClr val="bg1"/>
+                            <a:srgbClr val="FFFFFF"/>
                           </a:solidFill>
+                          <a:effectLst/>
+                          <a:latin typeface="맑은 고딕" charset="-127"/>
                         </a:rPr>
                         <a:t>-</a:t>
                       </a:r>
                       <a:r>
-                        <a:rPr lang="ko-KR" altLang="en-US" b="1">
+                        <a:rPr lang="ko-KR" altLang="en-US" sz="1400" b="1">
                           <a:solidFill>
-                            <a:schemeClr val="bg1"/>
+                            <a:srgbClr val="FFFFFF"/>
                           </a:solidFill>
+                          <a:effectLst/>
                         </a:rPr>
                         <a:t>실습</a:t>
                       </a:r>
+                      <a:endParaRPr lang="ko-KR" altLang="en-US">
+                        <a:effectLst/>
+                      </a:endParaRPr>
                     </a:p>
                   </a:txBody>
                   <a:tcPr anchor="ctr">
@@ -3345,15 +3406,26 @@
                     <a:bodyPr/>
                     <a:lstStyle/>
                     <a:p>
-                      <a:pPr algn="ctr"/>
+                      <a:pPr marL="0" algn="ctr" rtl="0" fontAlgn="ctr">
+                        <a:spcBef>
+                          <a:spcPts val="0"/>
+                        </a:spcBef>
+                        <a:spcAft>
+                          <a:spcPts val="0"/>
+                        </a:spcAft>
+                      </a:pPr>
                       <a:r>
-                        <a:rPr lang="ko-KR" altLang="en-US" b="1">
+                        <a:rPr lang="ko-KR" altLang="en-US" sz="1400" b="1">
                           <a:solidFill>
-                            <a:schemeClr val="bg1"/>
+                            <a:srgbClr val="FFFFFF"/>
                           </a:solidFill>
+                          <a:effectLst/>
                         </a:rPr>
                         <a:t>학기</a:t>
                       </a:r>
+                      <a:endParaRPr lang="ko-KR" altLang="en-US">
+                        <a:effectLst/>
+                      </a:endParaRPr>
                     </a:p>
                   </a:txBody>
                   <a:tcPr anchor="ctr">
@@ -3403,15 +3475,26 @@
                     <a:bodyPr/>
                     <a:lstStyle/>
                     <a:p>
-                      <a:pPr algn="ctr"/>
+                      <a:pPr marL="0" algn="ctr" rtl="0" fontAlgn="ctr">
+                        <a:spcBef>
+                          <a:spcPts val="0"/>
+                        </a:spcBef>
+                        <a:spcAft>
+                          <a:spcPts val="0"/>
+                        </a:spcAft>
+                      </a:pPr>
                       <a:r>
-                        <a:rPr lang="ko-KR" altLang="en-US" b="1">
+                        <a:rPr lang="ko-KR" altLang="en-US" sz="1400" b="1">
                           <a:solidFill>
-                            <a:schemeClr val="bg1"/>
+                            <a:srgbClr val="FFFFFF"/>
                           </a:solidFill>
+                          <a:effectLst/>
                         </a:rPr>
                         <a:t>학수번호</a:t>
                       </a:r>
+                      <a:endParaRPr lang="ko-KR" altLang="en-US">
+                        <a:effectLst/>
+                      </a:endParaRPr>
                     </a:p>
                   </a:txBody>
                   <a:tcPr anchor="ctr">
@@ -3461,15 +3544,26 @@
                     <a:bodyPr/>
                     <a:lstStyle/>
                     <a:p>
-                      <a:pPr algn="ctr"/>
+                      <a:pPr marL="0" algn="ctr" rtl="0" fontAlgn="ctr">
+                        <a:spcBef>
+                          <a:spcPts val="0"/>
+                        </a:spcBef>
+                        <a:spcAft>
+                          <a:spcPts val="0"/>
+                        </a:spcAft>
+                      </a:pPr>
                       <a:r>
-                        <a:rPr lang="ko-KR" altLang="en-US" b="1">
+                        <a:rPr lang="ko-KR" altLang="en-US" sz="1400" b="1">
                           <a:solidFill>
-                            <a:schemeClr val="bg1"/>
+                            <a:srgbClr val="FFFFFF"/>
                           </a:solidFill>
+                          <a:effectLst/>
                         </a:rPr>
                         <a:t>교과목</a:t>
                       </a:r>
+                      <a:endParaRPr lang="ko-KR" altLang="en-US">
+                        <a:effectLst/>
+                      </a:endParaRPr>
                     </a:p>
                   </a:txBody>
                   <a:tcPr anchor="ctr">
@@ -3519,15 +3613,26 @@
                     <a:bodyPr/>
                     <a:lstStyle/>
                     <a:p>
-                      <a:pPr algn="ctr"/>
+                      <a:pPr marL="0" algn="ctr" rtl="0" fontAlgn="ctr">
+                        <a:spcBef>
+                          <a:spcPts val="0"/>
+                        </a:spcBef>
+                        <a:spcAft>
+                          <a:spcPts val="0"/>
+                        </a:spcAft>
+                      </a:pPr>
                       <a:r>
-                        <a:rPr lang="ko-KR" altLang="en-US" b="1">
+                        <a:rPr lang="ko-KR" altLang="en-US" sz="1400" b="1">
                           <a:solidFill>
-                            <a:schemeClr val="bg1"/>
+                            <a:srgbClr val="FFFFFF"/>
                           </a:solidFill>
+                          <a:effectLst/>
                         </a:rPr>
                         <a:t>과목구분</a:t>
                       </a:r>
+                      <a:endParaRPr lang="ko-KR" altLang="en-US">
+                        <a:effectLst/>
+                      </a:endParaRPr>
                     </a:p>
                   </a:txBody>
                   <a:tcPr anchor="ctr">
@@ -3577,47 +3682,64 @@
                     <a:bodyPr/>
                     <a:lstStyle/>
                     <a:p>
-                      <a:pPr algn="ctr"/>
+                      <a:pPr marL="0" algn="ctr" rtl="0" fontAlgn="ctr">
+                        <a:spcBef>
+                          <a:spcPts val="0"/>
+                        </a:spcBef>
+                        <a:spcAft>
+                          <a:spcPts val="0"/>
+                        </a:spcAft>
+                      </a:pPr>
                       <a:r>
-                        <a:rPr lang="ko-KR" altLang="en-US" b="1">
+                        <a:rPr lang="ko-KR" altLang="en-US" sz="1400" b="1">
                           <a:solidFill>
-                            <a:schemeClr val="bg1"/>
+                            <a:srgbClr val="FFFFFF"/>
                           </a:solidFill>
+                          <a:effectLst/>
                         </a:rPr>
                         <a:t>학점</a:t>
                       </a:r>
                       <a:r>
-                        <a:rPr lang="en-US" altLang="ko-KR" b="1">
+                        <a:rPr lang="en-US" altLang="ko-KR" sz="1800" b="1">
                           <a:solidFill>
-                            <a:schemeClr val="bg1"/>
+                            <a:srgbClr val="FFFFFF"/>
                           </a:solidFill>
+                          <a:effectLst/>
+                          <a:latin typeface="맑은 고딕" charset="-127"/>
                         </a:rPr>
                         <a:t>-</a:t>
                       </a:r>
                       <a:r>
-                        <a:rPr lang="ko-KR" altLang="en-US" b="1">
+                        <a:rPr lang="ko-KR" altLang="en-US" sz="1400" b="1">
                           <a:solidFill>
-                            <a:schemeClr val="bg1"/>
+                            <a:srgbClr val="FFFFFF"/>
                           </a:solidFill>
+                          <a:effectLst/>
                         </a:rPr>
                         <a:t>강의</a:t>
                       </a:r>
                       <a:r>
-                        <a:rPr lang="en-US" altLang="ko-KR" b="1">
+                        <a:rPr lang="en-US" altLang="ko-KR" sz="1800" b="1">
                           <a:solidFill>
-                            <a:schemeClr val="bg1"/>
+                            <a:srgbClr val="FFFFFF"/>
                           </a:solidFill>
+                          <a:effectLst/>
+                          <a:latin typeface="맑은 고딕" charset="-127"/>
                         </a:rPr>
                         <a:t>-</a:t>
                       </a:r>
                       <a:r>
-                        <a:rPr lang="ko-KR" altLang="en-US" b="1">
+                        <a:rPr lang="ko-KR" altLang="en-US" sz="1400" b="1">
                           <a:solidFill>
-                            <a:schemeClr val="bg1"/>
+                            <a:srgbClr val="FFFFFF"/>
                           </a:solidFill>
+                          <a:effectLst/>
                         </a:rPr>
                         <a:t>실습</a:t>
                       </a:r>
+                      <a:endParaRPr lang="ko-KR" altLang="en-US">
+                        <a:effectLst/>
+                      </a:endParaRPr>
                     </a:p>
                   </a:txBody>
                   <a:tcPr anchor="ctr">
@@ -3663,21 +3785,33 @@
                   </a:tcPr>
                 </a:tc>
               </a:tr>
-              <a:tr h="767581">
+              <a:tr h="581082">
                 <a:tc>
                   <a:txBody>
                     <a:bodyPr/>
                     <a:lstStyle/>
                     <a:p>
-                      <a:pPr algn="ctr"/>
+                      <a:pPr marL="0" algn="ctr" rtl="0" fontAlgn="ctr">
+                        <a:spcBef>
+                          <a:spcPts val="0"/>
+                        </a:spcBef>
+                        <a:spcAft>
+                          <a:spcPts val="0"/>
+                        </a:spcAft>
+                      </a:pPr>
                       <a:r>
-                        <a:rPr lang="en-US" b="1">
+                        <a:rPr lang="en-US" sz="1400" b="1">
                           <a:solidFill>
-                            <a:schemeClr val="bg1"/>
+                            <a:srgbClr val="FFFFFF"/>
                           </a:solidFill>
+                          <a:effectLst/>
+                          <a:latin typeface="맑은 고딕" charset="-127"/>
                         </a:rPr>
                         <a:t>1st</a:t>
                       </a:r>
+                      <a:endParaRPr lang="en-US">
+                        <a:effectLst/>
+                      </a:endParaRPr>
                     </a:p>
                   </a:txBody>
                   <a:tcPr anchor="ctr">
@@ -3727,15 +3861,27 @@
                     <a:bodyPr/>
                     <a:lstStyle/>
                     <a:p>
-                      <a:pPr algn="ctr"/>
+                      <a:pPr marL="0" algn="ctr" rtl="0" fontAlgn="ctr">
+                        <a:spcBef>
+                          <a:spcPts val="0"/>
+                        </a:spcBef>
+                        <a:spcAft>
+                          <a:spcPts val="0"/>
+                        </a:spcAft>
+                      </a:pPr>
                       <a:r>
-                        <a:rPr lang="fi-FI" b="1">
+                        <a:rPr lang="fi-FI" sz="1400" b="1">
                           <a:solidFill>
-                            <a:schemeClr val="bg1"/>
+                            <a:srgbClr val="FFFFFF"/>
                           </a:solidFill>
+                          <a:effectLst/>
+                          <a:latin typeface="맑은 고딕" charset="-127"/>
                         </a:rPr>
                         <a:t>CSE1018</a:t>
                       </a:r>
+                      <a:endParaRPr lang="fi-FI">
+                        <a:effectLst/>
+                      </a:endParaRPr>
                     </a:p>
                   </a:txBody>
                   <a:tcPr anchor="ctr">
@@ -3785,39 +3931,55 @@
                     <a:bodyPr/>
                     <a:lstStyle/>
                     <a:p>
-                      <a:pPr algn="ctr"/>
+                      <a:pPr marL="0" algn="ctr" rtl="0" fontAlgn="ctr">
+                        <a:spcBef>
+                          <a:spcPts val="0"/>
+                        </a:spcBef>
+                        <a:spcAft>
+                          <a:spcPts val="0"/>
+                        </a:spcAft>
+                      </a:pPr>
                       <a:r>
-                        <a:rPr lang="ko-KR" altLang="en-US" b="1">
+                        <a:rPr lang="ko-KR" altLang="en-US" sz="1400" b="1">
                           <a:solidFill>
-                            <a:schemeClr val="bg1"/>
+                            <a:srgbClr val="FFFFFF"/>
                           </a:solidFill>
+                          <a:effectLst/>
                         </a:rPr>
                         <a:t>컴퓨터캡스톤디자인</a:t>
                       </a:r>
                       <a:r>
-                        <a:rPr lang="en-US" altLang="ko-KR" b="1">
+                        <a:rPr lang="en-US" altLang="ko-KR" sz="1400" b="1">
                           <a:solidFill>
-                            <a:schemeClr val="bg1"/>
+                            <a:srgbClr val="FFFFFF"/>
                           </a:solidFill>
+                          <a:effectLst/>
+                          <a:latin typeface="맑은 고딕" charset="-127"/>
                         </a:rPr>
                         <a:t>2(</a:t>
                       </a:r>
                       <a:r>
-                        <a:rPr lang="ko-KR" altLang="en-US" b="1">
+                        <a:rPr lang="ko-KR" altLang="en-US" sz="1400" b="1">
                           <a:solidFill>
-                            <a:schemeClr val="bg1"/>
+                            <a:srgbClr val="FFFFFF"/>
                           </a:solidFill>
+                          <a:effectLst/>
                         </a:rPr>
                         <a:t>종합</a:t>
                       </a:r>
                       <a:r>
-                        <a:rPr lang="en-US" altLang="ko-KR" b="1">
+                        <a:rPr lang="en-US" altLang="ko-KR" sz="1400" b="1">
                           <a:solidFill>
-                            <a:schemeClr val="bg1"/>
+                            <a:srgbClr val="FFFFFF"/>
                           </a:solidFill>
+                          <a:effectLst/>
+                          <a:latin typeface="맑은 고딕" charset="-127"/>
                         </a:rPr>
                         <a:t>)</a:t>
                       </a:r>
+                      <a:endParaRPr lang="ko-KR" altLang="en-US">
+                        <a:effectLst/>
+                      </a:endParaRPr>
                     </a:p>
                   </a:txBody>
                   <a:tcPr anchor="ctr">
@@ -3867,15 +4029,26 @@
                     <a:bodyPr/>
                     <a:lstStyle/>
                     <a:p>
-                      <a:pPr algn="ctr"/>
+                      <a:pPr marL="0" algn="ctr" rtl="0" fontAlgn="ctr">
+                        <a:spcBef>
+                          <a:spcPts val="0"/>
+                        </a:spcBef>
+                        <a:spcAft>
+                          <a:spcPts val="0"/>
+                        </a:spcAft>
+                      </a:pPr>
                       <a:r>
-                        <a:rPr lang="ko-KR" altLang="en-US" b="1">
+                        <a:rPr lang="ko-KR" altLang="en-US" sz="1400" b="1">
                           <a:solidFill>
-                            <a:schemeClr val="bg1"/>
+                            <a:srgbClr val="FFFFFF"/>
                           </a:solidFill>
+                          <a:effectLst/>
                         </a:rPr>
                         <a:t>전공심화</a:t>
                       </a:r>
+                      <a:endParaRPr lang="ko-KR" altLang="en-US">
+                        <a:effectLst/>
+                      </a:endParaRPr>
                     </a:p>
                   </a:txBody>
                   <a:tcPr anchor="ctr">
@@ -3925,15 +4098,27 @@
                     <a:bodyPr/>
                     <a:lstStyle/>
                     <a:p>
-                      <a:pPr algn="ctr"/>
+                      <a:pPr marL="0" algn="ctr" rtl="0" fontAlgn="ctr">
+                        <a:spcBef>
+                          <a:spcPts val="0"/>
+                        </a:spcBef>
+                        <a:spcAft>
+                          <a:spcPts val="0"/>
+                        </a:spcAft>
+                      </a:pPr>
                       <a:r>
-                        <a:rPr lang="fi-FI" b="1">
+                        <a:rPr lang="fi-FI" sz="1400" b="1">
                           <a:solidFill>
-                            <a:schemeClr val="bg1"/>
+                            <a:srgbClr val="FFFFFF"/>
                           </a:solidFill>
+                          <a:effectLst/>
+                          <a:latin typeface="맑은 고딕" charset="-127"/>
                         </a:rPr>
                         <a:t>3-1-4</a:t>
                       </a:r>
+                      <a:endParaRPr lang="fi-FI">
+                        <a:effectLst/>
+                      </a:endParaRPr>
                     </a:p>
                   </a:txBody>
                   <a:tcPr anchor="ctr">
@@ -3983,15 +4168,27 @@
                     <a:bodyPr/>
                     <a:lstStyle/>
                     <a:p>
-                      <a:pPr algn="ctr"/>
+                      <a:pPr marL="0" algn="ctr" rtl="0" fontAlgn="ctr">
+                        <a:spcBef>
+                          <a:spcPts val="0"/>
+                        </a:spcBef>
+                        <a:spcAft>
+                          <a:spcPts val="0"/>
+                        </a:spcAft>
+                      </a:pPr>
                       <a:r>
-                        <a:rPr lang="en-US" b="1">
+                        <a:rPr lang="en-US" sz="1400" b="1">
                           <a:solidFill>
-                            <a:schemeClr val="bg1"/>
+                            <a:srgbClr val="FFFFFF"/>
                           </a:solidFill>
+                          <a:effectLst/>
+                          <a:latin typeface="맑은 고딕" charset="-127"/>
                         </a:rPr>
                         <a:t>2nd</a:t>
                       </a:r>
+                      <a:endParaRPr lang="en-US">
+                        <a:effectLst/>
+                      </a:endParaRPr>
                     </a:p>
                   </a:txBody>
                   <a:tcPr anchor="ctr">
@@ -4041,15 +4238,27 @@
                     <a:bodyPr/>
                     <a:lstStyle/>
                     <a:p>
-                      <a:pPr algn="ctr"/>
+                      <a:pPr marL="0" algn="ctr" rtl="0" fontAlgn="ctr">
+                        <a:spcBef>
+                          <a:spcPts val="0"/>
+                        </a:spcBef>
+                        <a:spcAft>
+                          <a:spcPts val="0"/>
+                        </a:spcAft>
+                      </a:pPr>
                       <a:r>
-                        <a:rPr lang="is-IS" b="1">
+                        <a:rPr lang="is-IS" sz="1400" b="1">
                           <a:solidFill>
-                            <a:schemeClr val="bg1"/>
+                            <a:srgbClr val="FFFFFF"/>
                           </a:solidFill>
+                          <a:effectLst/>
+                          <a:latin typeface="맑은 고딕" charset="-127"/>
                         </a:rPr>
                         <a:t>CSE3009</a:t>
                       </a:r>
+                      <a:endParaRPr lang="is-IS">
+                        <a:effectLst/>
+                      </a:endParaRPr>
                     </a:p>
                   </a:txBody>
                   <a:tcPr anchor="ctr">
@@ -4099,15 +4308,26 @@
                     <a:bodyPr/>
                     <a:lstStyle/>
                     <a:p>
-                      <a:pPr algn="ctr"/>
+                      <a:pPr marL="0" algn="ctr" rtl="0" fontAlgn="ctr">
+                        <a:spcBef>
+                          <a:spcPts val="0"/>
+                        </a:spcBef>
+                        <a:spcAft>
+                          <a:spcPts val="0"/>
+                        </a:spcAft>
+                      </a:pPr>
                       <a:r>
-                        <a:rPr lang="ko-KR" altLang="en-US" b="1">
+                        <a:rPr lang="ko-KR" altLang="en-US" sz="1400" b="1">
                           <a:solidFill>
-                            <a:schemeClr val="bg1"/>
+                            <a:srgbClr val="FFFFFF"/>
                           </a:solidFill>
+                          <a:effectLst/>
                         </a:rPr>
                         <a:t>컴파일러구조</a:t>
                       </a:r>
+                      <a:endParaRPr lang="ko-KR" altLang="en-US">
+                        <a:effectLst/>
+                      </a:endParaRPr>
                     </a:p>
                   </a:txBody>
                   <a:tcPr anchor="ctr">
@@ -4157,15 +4377,26 @@
                     <a:bodyPr/>
                     <a:lstStyle/>
                     <a:p>
-                      <a:pPr algn="ctr"/>
+                      <a:pPr marL="0" algn="ctr" rtl="0" fontAlgn="ctr">
+                        <a:spcBef>
+                          <a:spcPts val="0"/>
+                        </a:spcBef>
+                        <a:spcAft>
+                          <a:spcPts val="0"/>
+                        </a:spcAft>
+                      </a:pPr>
                       <a:r>
-                        <a:rPr lang="ko-KR" altLang="en-US" b="1">
+                        <a:rPr lang="ko-KR" altLang="en-US" sz="1400" b="1">
                           <a:solidFill>
-                            <a:schemeClr val="bg1"/>
+                            <a:srgbClr val="FFFFFF"/>
                           </a:solidFill>
+                          <a:effectLst/>
                         </a:rPr>
                         <a:t>전공심화</a:t>
                       </a:r>
+                      <a:endParaRPr lang="ko-KR" altLang="en-US">
+                        <a:effectLst/>
+                      </a:endParaRPr>
                     </a:p>
                   </a:txBody>
                   <a:tcPr anchor="ctr">
@@ -4215,15 +4446,27 @@
                     <a:bodyPr/>
                     <a:lstStyle/>
                     <a:p>
-                      <a:pPr algn="ctr"/>
+                      <a:pPr marL="0" algn="ctr" rtl="0" fontAlgn="ctr">
+                        <a:spcBef>
+                          <a:spcPts val="0"/>
+                        </a:spcBef>
+                        <a:spcAft>
+                          <a:spcPts val="0"/>
+                        </a:spcAft>
+                      </a:pPr>
                       <a:r>
-                        <a:rPr lang="uk-UA" b="1">
+                        <a:rPr lang="uk-UA" sz="1400" b="1">
                           <a:solidFill>
-                            <a:schemeClr val="bg1"/>
+                            <a:srgbClr val="FFFFFF"/>
                           </a:solidFill>
+                          <a:effectLst/>
+                          <a:latin typeface="맑은 고딕" charset="-127"/>
                         </a:rPr>
                         <a:t>3-3-0</a:t>
                       </a:r>
+                      <a:endParaRPr lang="uk-UA">
+                        <a:effectLst/>
+                      </a:endParaRPr>
                     </a:p>
                   </a:txBody>
                   <a:tcPr anchor="ctr">
@@ -4269,21 +4512,33 @@
                   </a:tcPr>
                 </a:tc>
               </a:tr>
-              <a:tr h="767581">
+              <a:tr h="407596">
                 <a:tc>
                   <a:txBody>
                     <a:bodyPr/>
                     <a:lstStyle/>
                     <a:p>
-                      <a:pPr algn="ctr"/>
+                      <a:pPr marL="0" algn="ctr" rtl="0" fontAlgn="ctr">
+                        <a:spcBef>
+                          <a:spcPts val="0"/>
+                        </a:spcBef>
+                        <a:spcAft>
+                          <a:spcPts val="0"/>
+                        </a:spcAft>
+                      </a:pPr>
                       <a:r>
-                        <a:rPr lang="en-US" b="1">
+                        <a:rPr lang="en-US" sz="1400" b="1">
                           <a:solidFill>
-                            <a:schemeClr val="bg1"/>
+                            <a:srgbClr val="FFFFFF"/>
                           </a:solidFill>
+                          <a:effectLst/>
+                          <a:latin typeface="맑은 고딕" charset="-127"/>
                         </a:rPr>
                         <a:t>1st</a:t>
                       </a:r>
+                      <a:endParaRPr lang="en-US">
+                        <a:effectLst/>
+                      </a:endParaRPr>
                     </a:p>
                   </a:txBody>
                   <a:tcPr anchor="ctr">
@@ -4333,15 +4588,27 @@
                     <a:bodyPr/>
                     <a:lstStyle/>
                     <a:p>
-                      <a:pPr algn="ctr"/>
+                      <a:pPr marL="0" algn="ctr" rtl="0" fontAlgn="ctr">
+                        <a:spcBef>
+                          <a:spcPts val="0"/>
+                        </a:spcBef>
+                        <a:spcAft>
+                          <a:spcPts val="0"/>
+                        </a:spcAft>
+                      </a:pPr>
                       <a:r>
-                        <a:rPr lang="is-IS" b="1">
+                        <a:rPr lang="is-IS" sz="1400" b="1">
                           <a:solidFill>
-                            <a:schemeClr val="bg1"/>
+                            <a:srgbClr val="FFFFFF"/>
                           </a:solidFill>
+                          <a:effectLst/>
+                          <a:latin typeface="맑은 고딕" charset="-127"/>
                         </a:rPr>
                         <a:t>CSE4006</a:t>
                       </a:r>
+                      <a:endParaRPr lang="is-IS">
+                        <a:effectLst/>
+                      </a:endParaRPr>
                     </a:p>
                   </a:txBody>
                   <a:tcPr anchor="ctr">
@@ -4391,15 +4658,26 @@
                     <a:bodyPr/>
                     <a:lstStyle/>
                     <a:p>
-                      <a:pPr algn="ctr"/>
+                      <a:pPr marL="0" algn="ctr" rtl="0" fontAlgn="ctr">
+                        <a:spcBef>
+                          <a:spcPts val="0"/>
+                        </a:spcBef>
+                        <a:spcAft>
+                          <a:spcPts val="0"/>
+                        </a:spcAft>
+                      </a:pPr>
                       <a:r>
-                        <a:rPr lang="ko-KR" altLang="en-US" b="1">
+                        <a:rPr lang="ko-KR" altLang="en-US" sz="1400" b="1" dirty="0">
                           <a:solidFill>
-                            <a:schemeClr val="bg1"/>
+                            <a:srgbClr val="FFFFFF"/>
                           </a:solidFill>
+                          <a:effectLst/>
                         </a:rPr>
                         <a:t>소프트웨어공학</a:t>
                       </a:r>
+                      <a:endParaRPr lang="ko-KR" altLang="en-US" dirty="0">
+                        <a:effectLst/>
+                      </a:endParaRPr>
                     </a:p>
                   </a:txBody>
                   <a:tcPr anchor="ctr">
@@ -4449,15 +4727,26 @@
                     <a:bodyPr/>
                     <a:lstStyle/>
                     <a:p>
-                      <a:pPr algn="ctr"/>
+                      <a:pPr marL="0" algn="ctr" rtl="0" fontAlgn="ctr">
+                        <a:spcBef>
+                          <a:spcPts val="0"/>
+                        </a:spcBef>
+                        <a:spcAft>
+                          <a:spcPts val="0"/>
+                        </a:spcAft>
+                      </a:pPr>
                       <a:r>
-                        <a:rPr lang="ko-KR" altLang="en-US" b="1">
+                        <a:rPr lang="ko-KR" altLang="en-US" sz="1400" b="1">
                           <a:solidFill>
-                            <a:schemeClr val="bg1"/>
+                            <a:srgbClr val="FFFFFF"/>
                           </a:solidFill>
+                          <a:effectLst/>
                         </a:rPr>
                         <a:t>전공심화</a:t>
                       </a:r>
+                      <a:endParaRPr lang="ko-KR" altLang="en-US">
+                        <a:effectLst/>
+                      </a:endParaRPr>
                     </a:p>
                   </a:txBody>
                   <a:tcPr anchor="ctr">
@@ -4507,15 +4796,27 @@
                     <a:bodyPr/>
                     <a:lstStyle/>
                     <a:p>
-                      <a:pPr algn="ctr"/>
+                      <a:pPr marL="0" algn="ctr" rtl="0" fontAlgn="ctr">
+                        <a:spcBef>
+                          <a:spcPts val="0"/>
+                        </a:spcBef>
+                        <a:spcAft>
+                          <a:spcPts val="0"/>
+                        </a:spcAft>
+                      </a:pPr>
                       <a:r>
-                        <a:rPr lang="fi-FI" b="1">
+                        <a:rPr lang="fi-FI" sz="1400" b="1">
                           <a:solidFill>
-                            <a:schemeClr val="bg1"/>
+                            <a:srgbClr val="FFFFFF"/>
                           </a:solidFill>
+                          <a:effectLst/>
+                          <a:latin typeface="맑은 고딕" charset="-127"/>
                         </a:rPr>
                         <a:t>4-3-2</a:t>
                       </a:r>
+                      <a:endParaRPr lang="fi-FI">
+                        <a:effectLst/>
+                      </a:endParaRPr>
                     </a:p>
                   </a:txBody>
                   <a:tcPr anchor="ctr">
@@ -4565,15 +4866,27 @@
                     <a:bodyPr/>
                     <a:lstStyle/>
                     <a:p>
-                      <a:pPr algn="ctr"/>
+                      <a:pPr marL="0" algn="ctr" rtl="0" fontAlgn="ctr">
+                        <a:spcBef>
+                          <a:spcPts val="0"/>
+                        </a:spcBef>
+                        <a:spcAft>
+                          <a:spcPts val="0"/>
+                        </a:spcAft>
+                      </a:pPr>
                       <a:r>
-                        <a:rPr lang="en-US" b="1">
+                        <a:rPr lang="en-US" sz="1400" b="1">
                           <a:solidFill>
-                            <a:schemeClr val="bg1"/>
+                            <a:srgbClr val="FFFFFF"/>
                           </a:solidFill>
+                          <a:effectLst/>
+                          <a:latin typeface="맑은 고딕" charset="-127"/>
                         </a:rPr>
                         <a:t>2nd</a:t>
                       </a:r>
+                      <a:endParaRPr lang="en-US">
+                        <a:effectLst/>
+                      </a:endParaRPr>
                     </a:p>
                   </a:txBody>
                   <a:tcPr anchor="ctr">
@@ -4623,15 +4936,27 @@
                     <a:bodyPr/>
                     <a:lstStyle/>
                     <a:p>
-                      <a:pPr algn="ctr"/>
+                      <a:pPr marL="0" algn="ctr" rtl="0" fontAlgn="ctr">
+                        <a:spcBef>
+                          <a:spcPts val="0"/>
+                        </a:spcBef>
+                        <a:spcAft>
+                          <a:spcPts val="0"/>
+                        </a:spcAft>
+                      </a:pPr>
                       <a:r>
-                        <a:rPr lang="en-US" altLang="ko-KR" b="1">
+                        <a:rPr lang="en-US" altLang="ko-KR" sz="1400" b="1">
                           <a:solidFill>
-                            <a:schemeClr val="bg1"/>
+                            <a:srgbClr val="FFFFFF"/>
                           </a:solidFill>
+                          <a:effectLst/>
+                          <a:latin typeface="맑은 고딕" charset="-127"/>
                         </a:rPr>
                         <a:t>CSE4035</a:t>
                       </a:r>
+                      <a:endParaRPr lang="ko-KR" altLang="en-US">
+                        <a:effectLst/>
+                      </a:endParaRPr>
                     </a:p>
                   </a:txBody>
                   <a:tcPr anchor="ctr">
@@ -4681,15 +5006,26 @@
                     <a:bodyPr/>
                     <a:lstStyle/>
                     <a:p>
-                      <a:pPr algn="ctr"/>
+                      <a:pPr marL="0" algn="ctr" rtl="0" fontAlgn="ctr">
+                        <a:spcBef>
+                          <a:spcPts val="0"/>
+                        </a:spcBef>
+                        <a:spcAft>
+                          <a:spcPts val="0"/>
+                        </a:spcAft>
+                      </a:pPr>
                       <a:r>
-                        <a:rPr lang="ko-KR" altLang="en-US" b="1">
+                        <a:rPr lang="ko-KR" altLang="en-US" sz="1400" b="1">
                           <a:solidFill>
-                            <a:schemeClr val="bg1"/>
+                            <a:srgbClr val="FFFFFF"/>
                           </a:solidFill>
+                          <a:effectLst/>
                         </a:rPr>
                         <a:t>임베디드운영체제</a:t>
                       </a:r>
+                      <a:endParaRPr lang="ko-KR" altLang="en-US">
+                        <a:effectLst/>
+                      </a:endParaRPr>
                     </a:p>
                   </a:txBody>
                   <a:tcPr anchor="ctr">
@@ -4739,15 +5075,26 @@
                     <a:bodyPr/>
                     <a:lstStyle/>
                     <a:p>
-                      <a:pPr algn="ctr"/>
+                      <a:pPr marL="0" algn="ctr" rtl="0" fontAlgn="ctr">
+                        <a:spcBef>
+                          <a:spcPts val="0"/>
+                        </a:spcBef>
+                        <a:spcAft>
+                          <a:spcPts val="0"/>
+                        </a:spcAft>
+                      </a:pPr>
                       <a:r>
-                        <a:rPr lang="ko-KR" altLang="en-US" b="1">
+                        <a:rPr lang="ko-KR" altLang="en-US" sz="1400" b="1">
                           <a:solidFill>
-                            <a:schemeClr val="bg1"/>
+                            <a:srgbClr val="FFFFFF"/>
                           </a:solidFill>
+                          <a:effectLst/>
                         </a:rPr>
                         <a:t>전공심화</a:t>
                       </a:r>
+                      <a:endParaRPr lang="ko-KR" altLang="en-US">
+                        <a:effectLst/>
+                      </a:endParaRPr>
                     </a:p>
                   </a:txBody>
                   <a:tcPr anchor="ctr">
@@ -4797,15 +5144,27 @@
                     <a:bodyPr/>
                     <a:lstStyle/>
                     <a:p>
-                      <a:pPr algn="ctr"/>
+                      <a:pPr marL="0" algn="ctr" rtl="0" fontAlgn="ctr">
+                        <a:spcBef>
+                          <a:spcPts val="0"/>
+                        </a:spcBef>
+                        <a:spcAft>
+                          <a:spcPts val="0"/>
+                        </a:spcAft>
+                      </a:pPr>
                       <a:r>
-                        <a:rPr lang="uk-UA" b="1">
+                        <a:rPr lang="uk-UA" sz="1400" b="1">
                           <a:solidFill>
-                            <a:schemeClr val="bg1"/>
+                            <a:srgbClr val="FFFFFF"/>
                           </a:solidFill>
+                          <a:effectLst/>
+                          <a:latin typeface="맑은 고딕" charset="-127"/>
                         </a:rPr>
                         <a:t>3-3-0</a:t>
                       </a:r>
+                      <a:endParaRPr lang="uk-UA">
+                        <a:effectLst/>
+                      </a:endParaRPr>
                     </a:p>
                   </a:txBody>
                   <a:tcPr anchor="ctr">
@@ -4851,21 +5210,33 @@
                   </a:tcPr>
                 </a:tc>
               </a:tr>
-              <a:tr h="767581">
+              <a:tr h="407596">
                 <a:tc>
                   <a:txBody>
                     <a:bodyPr/>
                     <a:lstStyle/>
                     <a:p>
-                      <a:pPr algn="ctr"/>
+                      <a:pPr marL="0" algn="ctr" rtl="0" fontAlgn="ctr">
+                        <a:spcBef>
+                          <a:spcPts val="0"/>
+                        </a:spcBef>
+                        <a:spcAft>
+                          <a:spcPts val="0"/>
+                        </a:spcAft>
+                      </a:pPr>
                       <a:r>
-                        <a:rPr lang="en-US" b="1">
+                        <a:rPr lang="en-US" sz="1400" b="1">
                           <a:solidFill>
-                            <a:schemeClr val="bg1"/>
+                            <a:srgbClr val="FFFFFF"/>
                           </a:solidFill>
+                          <a:effectLst/>
+                          <a:latin typeface="맑은 고딕" charset="-127"/>
                         </a:rPr>
                         <a:t>1st</a:t>
                       </a:r>
+                      <a:endParaRPr lang="en-US">
+                        <a:effectLst/>
+                      </a:endParaRPr>
                     </a:p>
                   </a:txBody>
                   <a:tcPr anchor="ctr">
@@ -4915,15 +5286,27 @@
                     <a:bodyPr/>
                     <a:lstStyle/>
                     <a:p>
-                      <a:pPr algn="ctr"/>
+                      <a:pPr marL="0" algn="ctr" rtl="0" fontAlgn="ctr">
+                        <a:spcBef>
+                          <a:spcPts val="0"/>
+                        </a:spcBef>
+                        <a:spcAft>
+                          <a:spcPts val="0"/>
+                        </a:spcAft>
+                      </a:pPr>
                       <a:r>
-                        <a:rPr lang="is-IS" b="1">
+                        <a:rPr lang="is-IS" sz="1400" b="1">
                           <a:solidFill>
-                            <a:schemeClr val="bg1"/>
+                            <a:srgbClr val="FFFFFF"/>
                           </a:solidFill>
+                          <a:effectLst/>
+                          <a:latin typeface="맑은 고딕" charset="-127"/>
                         </a:rPr>
                         <a:t>CSE4044</a:t>
                       </a:r>
+                      <a:endParaRPr lang="is-IS">
+                        <a:effectLst/>
+                      </a:endParaRPr>
                     </a:p>
                   </a:txBody>
                   <a:tcPr anchor="ctr">
@@ -4973,15 +5356,26 @@
                     <a:bodyPr/>
                     <a:lstStyle/>
                     <a:p>
-                      <a:pPr algn="ctr"/>
+                      <a:pPr marL="0" algn="ctr" rtl="0" fontAlgn="ctr">
+                        <a:spcBef>
+                          <a:spcPts val="0"/>
+                        </a:spcBef>
+                        <a:spcAft>
+                          <a:spcPts val="0"/>
+                        </a:spcAft>
+                      </a:pPr>
                       <a:r>
-                        <a:rPr lang="ko-KR" altLang="en-US" b="1">
+                        <a:rPr lang="ko-KR" altLang="en-US" sz="1400" b="1">
                           <a:solidFill>
-                            <a:schemeClr val="bg1"/>
+                            <a:srgbClr val="FFFFFF"/>
                           </a:solidFill>
+                          <a:effectLst/>
                         </a:rPr>
                         <a:t>컴퓨터시스템보안</a:t>
                       </a:r>
+                      <a:endParaRPr lang="ko-KR" altLang="en-US">
+                        <a:effectLst/>
+                      </a:endParaRPr>
                     </a:p>
                   </a:txBody>
                   <a:tcPr anchor="ctr">
@@ -5031,15 +5425,26 @@
                     <a:bodyPr/>
                     <a:lstStyle/>
                     <a:p>
-                      <a:pPr algn="ctr"/>
+                      <a:pPr marL="0" algn="ctr" rtl="0" fontAlgn="ctr">
+                        <a:spcBef>
+                          <a:spcPts val="0"/>
+                        </a:spcBef>
+                        <a:spcAft>
+                          <a:spcPts val="0"/>
+                        </a:spcAft>
+                      </a:pPr>
                       <a:r>
-                        <a:rPr lang="ko-KR" altLang="en-US" b="1">
+                        <a:rPr lang="ko-KR" altLang="en-US" sz="1400" b="1">
                           <a:solidFill>
-                            <a:schemeClr val="bg1"/>
+                            <a:srgbClr val="FFFFFF"/>
                           </a:solidFill>
+                          <a:effectLst/>
                         </a:rPr>
                         <a:t>전공심화</a:t>
                       </a:r>
+                      <a:endParaRPr lang="ko-KR" altLang="en-US">
+                        <a:effectLst/>
+                      </a:endParaRPr>
                     </a:p>
                   </a:txBody>
                   <a:tcPr anchor="ctr">
@@ -5089,15 +5494,27 @@
                     <a:bodyPr/>
                     <a:lstStyle/>
                     <a:p>
-                      <a:pPr algn="ctr"/>
+                      <a:pPr marL="0" algn="ctr" rtl="0" fontAlgn="ctr">
+                        <a:spcBef>
+                          <a:spcPts val="0"/>
+                        </a:spcBef>
+                        <a:spcAft>
+                          <a:spcPts val="0"/>
+                        </a:spcAft>
+                      </a:pPr>
                       <a:r>
-                        <a:rPr lang="fi-FI" b="1">
+                        <a:rPr lang="fi-FI" sz="1400" b="1">
                           <a:solidFill>
-                            <a:schemeClr val="bg1"/>
+                            <a:srgbClr val="FFFFFF"/>
                           </a:solidFill>
+                          <a:effectLst/>
+                          <a:latin typeface="맑은 고딕" charset="-127"/>
                         </a:rPr>
                         <a:t>3-2-2</a:t>
                       </a:r>
+                      <a:endParaRPr lang="fi-FI">
+                        <a:effectLst/>
+                      </a:endParaRPr>
                     </a:p>
                   </a:txBody>
                   <a:tcPr anchor="ctr">
@@ -5147,15 +5564,27 @@
                     <a:bodyPr/>
                     <a:lstStyle/>
                     <a:p>
-                      <a:pPr algn="ctr"/>
+                      <a:pPr marL="0" algn="ctr" rtl="0" fontAlgn="ctr">
+                        <a:spcBef>
+                          <a:spcPts val="0"/>
+                        </a:spcBef>
+                        <a:spcAft>
+                          <a:spcPts val="0"/>
+                        </a:spcAft>
+                      </a:pPr>
                       <a:r>
-                        <a:rPr lang="en-US" b="1">
+                        <a:rPr lang="en-US" sz="1400" b="1">
                           <a:solidFill>
-                            <a:schemeClr val="bg1"/>
+                            <a:srgbClr val="FFFFFF"/>
                           </a:solidFill>
+                          <a:effectLst/>
+                          <a:latin typeface="맑은 고딕" charset="-127"/>
                         </a:rPr>
                         <a:t>2nd</a:t>
                       </a:r>
+                      <a:endParaRPr lang="en-US">
+                        <a:effectLst/>
+                      </a:endParaRPr>
                     </a:p>
                   </a:txBody>
                   <a:tcPr anchor="ctr">
@@ -5205,15 +5634,27 @@
                     <a:bodyPr/>
                     <a:lstStyle/>
                     <a:p>
-                      <a:pPr algn="ctr"/>
+                      <a:pPr marL="0" algn="ctr" rtl="0" fontAlgn="ctr">
+                        <a:spcBef>
+                          <a:spcPts val="0"/>
+                        </a:spcBef>
+                        <a:spcAft>
+                          <a:spcPts val="0"/>
+                        </a:spcAft>
+                      </a:pPr>
                       <a:r>
-                        <a:rPr lang="cs-CZ" b="1">
+                        <a:rPr lang="cs-CZ" sz="1400" b="1">
                           <a:solidFill>
-                            <a:schemeClr val="bg1"/>
+                            <a:srgbClr val="FFFFFF"/>
                           </a:solidFill>
+                          <a:effectLst/>
+                          <a:latin typeface="맑은 고딕" charset="-127"/>
                         </a:rPr>
                         <a:t>CSE4036</a:t>
                       </a:r>
+                      <a:endParaRPr lang="cs-CZ">
+                        <a:effectLst/>
+                      </a:endParaRPr>
                     </a:p>
                   </a:txBody>
                   <a:tcPr anchor="ctr">
@@ -5263,15 +5704,26 @@
                     <a:bodyPr/>
                     <a:lstStyle/>
                     <a:p>
-                      <a:pPr algn="ctr"/>
+                      <a:pPr marL="0" algn="ctr" rtl="0" fontAlgn="ctr">
+                        <a:spcBef>
+                          <a:spcPts val="0"/>
+                        </a:spcBef>
+                        <a:spcAft>
+                          <a:spcPts val="0"/>
+                        </a:spcAft>
+                      </a:pPr>
                       <a:r>
-                        <a:rPr lang="ko-KR" altLang="en-US" b="1">
+                        <a:rPr lang="ko-KR" altLang="en-US" sz="1400" b="1">
                           <a:solidFill>
-                            <a:schemeClr val="bg1"/>
+                            <a:srgbClr val="FFFFFF"/>
                           </a:solidFill>
+                          <a:effectLst/>
                         </a:rPr>
                         <a:t>빅데이터처리</a:t>
                       </a:r>
+                      <a:endParaRPr lang="ko-KR" altLang="en-US">
+                        <a:effectLst/>
+                      </a:endParaRPr>
                     </a:p>
                   </a:txBody>
                   <a:tcPr anchor="ctr">
@@ -5321,15 +5773,26 @@
                     <a:bodyPr/>
                     <a:lstStyle/>
                     <a:p>
-                      <a:pPr algn="ctr"/>
+                      <a:pPr marL="0" algn="ctr" rtl="0" fontAlgn="ctr">
+                        <a:spcBef>
+                          <a:spcPts val="0"/>
+                        </a:spcBef>
+                        <a:spcAft>
+                          <a:spcPts val="0"/>
+                        </a:spcAft>
+                      </a:pPr>
                       <a:r>
-                        <a:rPr lang="ko-KR" altLang="en-US" b="1">
+                        <a:rPr lang="ko-KR" altLang="en-US" sz="1400" b="1">
                           <a:solidFill>
-                            <a:schemeClr val="bg1"/>
+                            <a:srgbClr val="FFFFFF"/>
                           </a:solidFill>
+                          <a:effectLst/>
                         </a:rPr>
                         <a:t>전공심화</a:t>
                       </a:r>
+                      <a:endParaRPr lang="ko-KR" altLang="en-US">
+                        <a:effectLst/>
+                      </a:endParaRPr>
                     </a:p>
                   </a:txBody>
                   <a:tcPr anchor="ctr">
@@ -5379,15 +5842,27 @@
                     <a:bodyPr/>
                     <a:lstStyle/>
                     <a:p>
-                      <a:pPr algn="ctr"/>
+                      <a:pPr marL="0" algn="ctr" rtl="0" fontAlgn="ctr">
+                        <a:spcBef>
+                          <a:spcPts val="0"/>
+                        </a:spcBef>
+                        <a:spcAft>
+                          <a:spcPts val="0"/>
+                        </a:spcAft>
+                      </a:pPr>
                       <a:r>
-                        <a:rPr lang="fi-FI" b="1">
+                        <a:rPr lang="fi-FI" sz="1400" b="1">
                           <a:solidFill>
-                            <a:schemeClr val="bg1"/>
+                            <a:srgbClr val="FFFFFF"/>
                           </a:solidFill>
+                          <a:effectLst/>
+                          <a:latin typeface="맑은 고딕" charset="-127"/>
                         </a:rPr>
                         <a:t>3-2-2</a:t>
                       </a:r>
+                      <a:endParaRPr lang="fi-FI">
+                        <a:effectLst/>
+                      </a:endParaRPr>
                     </a:p>
                   </a:txBody>
                   <a:tcPr anchor="ctr">
@@ -5433,21 +5908,33 @@
                   </a:tcPr>
                 </a:tc>
               </a:tr>
-              <a:tr h="444710">
+              <a:tr h="407596">
                 <a:tc>
                   <a:txBody>
                     <a:bodyPr/>
                     <a:lstStyle/>
                     <a:p>
-                      <a:pPr algn="ctr"/>
+                      <a:pPr marL="0" algn="ctr" rtl="0" fontAlgn="ctr">
+                        <a:spcBef>
+                          <a:spcPts val="0"/>
+                        </a:spcBef>
+                        <a:spcAft>
+                          <a:spcPts val="0"/>
+                        </a:spcAft>
+                      </a:pPr>
                       <a:r>
-                        <a:rPr lang="en-US" b="1">
+                        <a:rPr lang="en-US" sz="1400" b="1">
                           <a:solidFill>
-                            <a:schemeClr val="bg1"/>
+                            <a:srgbClr val="FFFFFF"/>
                           </a:solidFill>
+                          <a:effectLst/>
+                          <a:latin typeface="맑은 고딕" charset="-127"/>
                         </a:rPr>
                         <a:t>1st</a:t>
                       </a:r>
+                      <a:endParaRPr lang="en-US">
+                        <a:effectLst/>
+                      </a:endParaRPr>
                     </a:p>
                   </a:txBody>
                   <a:tcPr anchor="ctr">
@@ -5497,15 +5984,27 @@
                     <a:bodyPr/>
                     <a:lstStyle/>
                     <a:p>
-                      <a:pPr algn="ctr"/>
+                      <a:pPr marL="0" algn="ctr" rtl="0" fontAlgn="ctr">
+                        <a:spcBef>
+                          <a:spcPts val="0"/>
+                        </a:spcBef>
+                        <a:spcAft>
+                          <a:spcPts val="0"/>
+                        </a:spcAft>
+                      </a:pPr>
                       <a:r>
-                        <a:rPr lang="de-DE" b="1">
+                        <a:rPr lang="de-DE" sz="1400" b="1">
                           <a:solidFill>
-                            <a:schemeClr val="bg1"/>
+                            <a:srgbClr val="FFFFFF"/>
                           </a:solidFill>
+                          <a:effectLst/>
+                          <a:latin typeface="맑은 고딕" charset="-127"/>
                         </a:rPr>
                         <a:t>ELE4076</a:t>
                       </a:r>
+                      <a:endParaRPr lang="de-DE">
+                        <a:effectLst/>
+                      </a:endParaRPr>
                     </a:p>
                   </a:txBody>
                   <a:tcPr anchor="ctr">
@@ -5555,15 +6054,26 @@
                     <a:bodyPr/>
                     <a:lstStyle/>
                     <a:p>
-                      <a:pPr algn="ctr"/>
+                      <a:pPr marL="0" algn="ctr" rtl="0" fontAlgn="ctr">
+                        <a:spcBef>
+                          <a:spcPts val="0"/>
+                        </a:spcBef>
+                        <a:spcAft>
+                          <a:spcPts val="0"/>
+                        </a:spcAft>
+                      </a:pPr>
                       <a:r>
-                        <a:rPr lang="ko-KR" altLang="en-US" b="1">
+                        <a:rPr lang="ko-KR" altLang="en-US" sz="1400" b="1">
                           <a:solidFill>
-                            <a:schemeClr val="bg1"/>
+                            <a:srgbClr val="FFFFFF"/>
                           </a:solidFill>
+                          <a:effectLst/>
                         </a:rPr>
                         <a:t>정보검색론</a:t>
                       </a:r>
+                      <a:endParaRPr lang="ko-KR" altLang="en-US">
+                        <a:effectLst/>
+                      </a:endParaRPr>
                     </a:p>
                   </a:txBody>
                   <a:tcPr anchor="ctr">
@@ -5613,15 +6123,26 @@
                     <a:bodyPr/>
                     <a:lstStyle/>
                     <a:p>
-                      <a:pPr algn="ctr"/>
+                      <a:pPr marL="0" algn="ctr" rtl="0" fontAlgn="ctr">
+                        <a:spcBef>
+                          <a:spcPts val="0"/>
+                        </a:spcBef>
+                        <a:spcAft>
+                          <a:spcPts val="0"/>
+                        </a:spcAft>
+                      </a:pPr>
                       <a:r>
-                        <a:rPr lang="ko-KR" altLang="en-US" b="1">
+                        <a:rPr lang="ko-KR" altLang="en-US" sz="1400" b="1">
                           <a:solidFill>
-                            <a:schemeClr val="bg1"/>
+                            <a:srgbClr val="FFFFFF"/>
                           </a:solidFill>
+                          <a:effectLst/>
                         </a:rPr>
                         <a:t>전공핵심</a:t>
                       </a:r>
+                      <a:endParaRPr lang="ko-KR" altLang="en-US">
+                        <a:effectLst/>
+                      </a:endParaRPr>
                     </a:p>
                   </a:txBody>
                   <a:tcPr anchor="ctr">
@@ -5671,15 +6192,27 @@
                     <a:bodyPr/>
                     <a:lstStyle/>
                     <a:p>
-                      <a:pPr algn="ctr"/>
+                      <a:pPr marL="0" algn="ctr" rtl="0" fontAlgn="ctr">
+                        <a:spcBef>
+                          <a:spcPts val="0"/>
+                        </a:spcBef>
+                        <a:spcAft>
+                          <a:spcPts val="0"/>
+                        </a:spcAft>
+                      </a:pPr>
                       <a:r>
-                        <a:rPr lang="uk-UA" b="1">
+                        <a:rPr lang="uk-UA" sz="1400" b="1">
                           <a:solidFill>
-                            <a:schemeClr val="bg1"/>
+                            <a:srgbClr val="FFFFFF"/>
                           </a:solidFill>
+                          <a:effectLst/>
+                          <a:latin typeface="맑은 고딕" charset="-127"/>
                         </a:rPr>
                         <a:t>3-3-0</a:t>
                       </a:r>
+                      <a:endParaRPr lang="uk-UA">
+                        <a:effectLst/>
+                      </a:endParaRPr>
                     </a:p>
                   </a:txBody>
                   <a:tcPr anchor="ctr">
@@ -5729,15 +6262,27 @@
                     <a:bodyPr/>
                     <a:lstStyle/>
                     <a:p>
-                      <a:pPr algn="ctr"/>
+                      <a:pPr marL="0" algn="ctr" rtl="0" fontAlgn="ctr">
+                        <a:spcBef>
+                          <a:spcPts val="0"/>
+                        </a:spcBef>
+                        <a:spcAft>
+                          <a:spcPts val="0"/>
+                        </a:spcAft>
+                      </a:pPr>
                       <a:r>
-                        <a:rPr lang="en-US" b="1">
+                        <a:rPr lang="en-US" sz="1400" b="1">
                           <a:solidFill>
-                            <a:schemeClr val="bg1"/>
+                            <a:srgbClr val="FFFFFF"/>
                           </a:solidFill>
+                          <a:effectLst/>
+                          <a:latin typeface="맑은 고딕" charset="-127"/>
                         </a:rPr>
                         <a:t>2nd</a:t>
                       </a:r>
+                      <a:endParaRPr lang="en-US">
+                        <a:effectLst/>
+                      </a:endParaRPr>
                     </a:p>
                   </a:txBody>
                   <a:tcPr anchor="ctr">
@@ -5787,15 +6332,27 @@
                     <a:bodyPr/>
                     <a:lstStyle/>
                     <a:p>
-                      <a:pPr algn="ctr"/>
+                      <a:pPr marL="0" algn="ctr" rtl="0" fontAlgn="ctr">
+                        <a:spcBef>
+                          <a:spcPts val="0"/>
+                        </a:spcBef>
+                        <a:spcAft>
+                          <a:spcPts val="0"/>
+                        </a:spcAft>
+                      </a:pPr>
                       <a:r>
-                        <a:rPr lang="uk-UA" b="1">
+                        <a:rPr lang="uk-UA" sz="1400" b="1">
                           <a:solidFill>
-                            <a:schemeClr val="bg1"/>
+                            <a:srgbClr val="FFFFFF"/>
                           </a:solidFill>
+                          <a:effectLst/>
+                          <a:latin typeface="맑은 고딕" charset="-127"/>
                         </a:rPr>
                         <a:t>CSE4039</a:t>
                       </a:r>
+                      <a:endParaRPr lang="uk-UA">
+                        <a:effectLst/>
+                      </a:endParaRPr>
                     </a:p>
                   </a:txBody>
                   <a:tcPr anchor="ctr">
@@ -5845,15 +6402,26 @@
                     <a:bodyPr/>
                     <a:lstStyle/>
                     <a:p>
-                      <a:pPr algn="ctr"/>
+                      <a:pPr marL="0" algn="ctr" rtl="0" fontAlgn="ctr">
+                        <a:spcBef>
+                          <a:spcPts val="0"/>
+                        </a:spcBef>
+                        <a:spcAft>
+                          <a:spcPts val="0"/>
+                        </a:spcAft>
+                      </a:pPr>
                       <a:r>
-                        <a:rPr lang="ko-KR" altLang="en-US" b="1">
+                        <a:rPr lang="ko-KR" altLang="en-US" sz="1400" b="1">
                           <a:solidFill>
-                            <a:schemeClr val="bg1"/>
+                            <a:srgbClr val="FFFFFF"/>
                           </a:solidFill>
+                          <a:effectLst/>
                         </a:rPr>
                         <a:t>소셜네트워크분석</a:t>
                       </a:r>
+                      <a:endParaRPr lang="ko-KR" altLang="en-US">
+                        <a:effectLst/>
+                      </a:endParaRPr>
                     </a:p>
                   </a:txBody>
                   <a:tcPr anchor="ctr">
@@ -5903,15 +6471,26 @@
                     <a:bodyPr/>
                     <a:lstStyle/>
                     <a:p>
-                      <a:pPr algn="ctr"/>
+                      <a:pPr marL="0" algn="ctr" rtl="0" fontAlgn="ctr">
+                        <a:spcBef>
+                          <a:spcPts val="0"/>
+                        </a:spcBef>
+                        <a:spcAft>
+                          <a:spcPts val="0"/>
+                        </a:spcAft>
+                      </a:pPr>
                       <a:r>
-                        <a:rPr lang="ko-KR" altLang="en-US" b="1">
+                        <a:rPr lang="ko-KR" altLang="en-US" sz="1400" b="1">
                           <a:solidFill>
-                            <a:schemeClr val="bg1"/>
+                            <a:srgbClr val="FFFFFF"/>
                           </a:solidFill>
+                          <a:effectLst/>
                         </a:rPr>
                         <a:t>전공심화</a:t>
                       </a:r>
+                      <a:endParaRPr lang="ko-KR" altLang="en-US">
+                        <a:effectLst/>
+                      </a:endParaRPr>
                     </a:p>
                   </a:txBody>
                   <a:tcPr anchor="ctr">
@@ -5961,15 +6540,27 @@
                     <a:bodyPr/>
                     <a:lstStyle/>
                     <a:p>
-                      <a:pPr algn="ctr"/>
+                      <a:pPr marL="0" algn="ctr" rtl="0" fontAlgn="ctr">
+                        <a:spcBef>
+                          <a:spcPts val="0"/>
+                        </a:spcBef>
+                        <a:spcAft>
+                          <a:spcPts val="0"/>
+                        </a:spcAft>
+                      </a:pPr>
                       <a:r>
-                        <a:rPr lang="uk-UA" b="1">
+                        <a:rPr lang="uk-UA" sz="1400" b="1">
                           <a:solidFill>
-                            <a:schemeClr val="bg1"/>
+                            <a:srgbClr val="FFFFFF"/>
                           </a:solidFill>
+                          <a:effectLst/>
+                          <a:latin typeface="맑은 고딕" charset="-127"/>
                         </a:rPr>
                         <a:t>3-3-0</a:t>
                       </a:r>
+                      <a:endParaRPr lang="uk-UA">
+                        <a:effectLst/>
+                      </a:endParaRPr>
                     </a:p>
                   </a:txBody>
                   <a:tcPr anchor="ctr">
@@ -6015,21 +6606,33 @@
                   </a:tcPr>
                 </a:tc>
               </a:tr>
-              <a:tr h="767581">
+              <a:tr h="407596">
                 <a:tc>
                   <a:txBody>
                     <a:bodyPr/>
                     <a:lstStyle/>
                     <a:p>
-                      <a:pPr algn="ctr"/>
+                      <a:pPr marL="0" algn="ctr" rtl="0" fontAlgn="ctr">
+                        <a:spcBef>
+                          <a:spcPts val="0"/>
+                        </a:spcBef>
+                        <a:spcAft>
+                          <a:spcPts val="0"/>
+                        </a:spcAft>
+                      </a:pPr>
                       <a:r>
-                        <a:rPr lang="en-US" b="1">
+                        <a:rPr lang="en-US" sz="1400" b="1">
                           <a:solidFill>
-                            <a:schemeClr val="bg1"/>
+                            <a:srgbClr val="FFFFFF"/>
                           </a:solidFill>
+                          <a:effectLst/>
+                          <a:latin typeface="맑은 고딕" charset="-127"/>
                         </a:rPr>
                         <a:t>1st</a:t>
                       </a:r>
+                      <a:endParaRPr lang="en-US">
+                        <a:effectLst/>
+                      </a:endParaRPr>
                     </a:p>
                   </a:txBody>
                   <a:tcPr anchor="ctr">
@@ -6079,15 +6682,27 @@
                     <a:bodyPr/>
                     <a:lstStyle/>
                     <a:p>
-                      <a:pPr algn="ctr"/>
+                      <a:pPr marL="0" algn="ctr" rtl="0" fontAlgn="ctr">
+                        <a:spcBef>
+                          <a:spcPts val="0"/>
+                        </a:spcBef>
+                        <a:spcAft>
+                          <a:spcPts val="0"/>
+                        </a:spcAft>
+                      </a:pPr>
                       <a:r>
-                        <a:rPr lang="de-DE" b="1">
+                        <a:rPr lang="de-DE" sz="1400" b="1">
                           <a:solidFill>
-                            <a:schemeClr val="bg1"/>
+                            <a:srgbClr val="FFFFFF"/>
                           </a:solidFill>
+                          <a:effectLst/>
+                          <a:latin typeface="맑은 고딕" charset="-127"/>
                         </a:rPr>
                         <a:t>ENE4014</a:t>
                       </a:r>
+                      <a:endParaRPr lang="de-DE">
+                        <a:effectLst/>
+                      </a:endParaRPr>
                     </a:p>
                   </a:txBody>
                   <a:tcPr anchor="ctr">
@@ -6137,15 +6752,26 @@
                     <a:bodyPr/>
                     <a:lstStyle/>
                     <a:p>
-                      <a:pPr algn="ctr"/>
+                      <a:pPr marL="0" algn="ctr" rtl="0" fontAlgn="ctr">
+                        <a:spcBef>
+                          <a:spcPts val="0"/>
+                        </a:spcBef>
+                        <a:spcAft>
+                          <a:spcPts val="0"/>
+                        </a:spcAft>
+                      </a:pPr>
                       <a:r>
-                        <a:rPr lang="ko-KR" altLang="en-US" b="1">
+                        <a:rPr lang="ko-KR" altLang="en-US" sz="1400" b="1">
                           <a:solidFill>
-                            <a:schemeClr val="bg1"/>
+                            <a:srgbClr val="FFFFFF"/>
                           </a:solidFill>
+                          <a:effectLst/>
                         </a:rPr>
                         <a:t>프로그래밍언어론</a:t>
                       </a:r>
+                      <a:endParaRPr lang="ko-KR" altLang="en-US">
+                        <a:effectLst/>
+                      </a:endParaRPr>
                     </a:p>
                   </a:txBody>
                   <a:tcPr anchor="ctr">
@@ -6195,15 +6821,26 @@
                     <a:bodyPr/>
                     <a:lstStyle/>
                     <a:p>
-                      <a:pPr algn="ctr"/>
+                      <a:pPr marL="0" algn="ctr" rtl="0" fontAlgn="ctr">
+                        <a:spcBef>
+                          <a:spcPts val="0"/>
+                        </a:spcBef>
+                        <a:spcAft>
+                          <a:spcPts val="0"/>
+                        </a:spcAft>
+                      </a:pPr>
                       <a:r>
-                        <a:rPr lang="ko-KR" altLang="en-US" b="1">
+                        <a:rPr lang="ko-KR" altLang="en-US" sz="1400" b="1">
                           <a:solidFill>
-                            <a:schemeClr val="bg1"/>
+                            <a:srgbClr val="FFFFFF"/>
                           </a:solidFill>
+                          <a:effectLst/>
                         </a:rPr>
                         <a:t>전공심화</a:t>
                       </a:r>
+                      <a:endParaRPr lang="ko-KR" altLang="en-US">
+                        <a:effectLst/>
+                      </a:endParaRPr>
                     </a:p>
                   </a:txBody>
                   <a:tcPr anchor="ctr">
@@ -6253,15 +6890,27 @@
                     <a:bodyPr/>
                     <a:lstStyle/>
                     <a:p>
-                      <a:pPr algn="ctr"/>
+                      <a:pPr marL="0" algn="ctr" rtl="0" fontAlgn="ctr">
+                        <a:spcBef>
+                          <a:spcPts val="0"/>
+                        </a:spcBef>
+                        <a:spcAft>
+                          <a:spcPts val="0"/>
+                        </a:spcAft>
+                      </a:pPr>
                       <a:r>
-                        <a:rPr lang="uk-UA" b="1">
+                        <a:rPr lang="uk-UA" sz="1400" b="1">
                           <a:solidFill>
-                            <a:schemeClr val="bg1"/>
+                            <a:srgbClr val="FFFFFF"/>
                           </a:solidFill>
+                          <a:effectLst/>
+                          <a:latin typeface="맑은 고딕" charset="-127"/>
                         </a:rPr>
                         <a:t>3-3-0</a:t>
                       </a:r>
+                      <a:endParaRPr lang="uk-UA">
+                        <a:effectLst/>
+                      </a:endParaRPr>
                     </a:p>
                   </a:txBody>
                   <a:tcPr anchor="ctr">
@@ -6311,15 +6960,27 @@
                     <a:bodyPr/>
                     <a:lstStyle/>
                     <a:p>
-                      <a:pPr algn="ctr"/>
+                      <a:pPr marL="0" algn="ctr" rtl="0" fontAlgn="ctr">
+                        <a:spcBef>
+                          <a:spcPts val="0"/>
+                        </a:spcBef>
+                        <a:spcAft>
+                          <a:spcPts val="0"/>
+                        </a:spcAft>
+                      </a:pPr>
                       <a:r>
-                        <a:rPr lang="en-US" b="1">
+                        <a:rPr lang="en-US" sz="1400" b="1">
                           <a:solidFill>
-                            <a:schemeClr val="bg1"/>
+                            <a:srgbClr val="FFFFFF"/>
                           </a:solidFill>
+                          <a:effectLst/>
+                          <a:latin typeface="맑은 고딕" charset="-127"/>
                         </a:rPr>
                         <a:t>2nd</a:t>
                       </a:r>
+                      <a:endParaRPr lang="en-US">
+                        <a:effectLst/>
+                      </a:endParaRPr>
                     </a:p>
                   </a:txBody>
                   <a:tcPr anchor="ctr">
@@ -6369,15 +7030,27 @@
                     <a:bodyPr/>
                     <a:lstStyle/>
                     <a:p>
-                      <a:pPr algn="ctr"/>
+                      <a:pPr marL="0" algn="ctr" rtl="0" fontAlgn="ctr">
+                        <a:spcBef>
+                          <a:spcPts val="0"/>
+                        </a:spcBef>
+                        <a:spcAft>
+                          <a:spcPts val="0"/>
+                        </a:spcAft>
+                      </a:pPr>
                       <a:r>
-                        <a:rPr lang="is-IS" b="1">
+                        <a:rPr lang="is-IS" sz="1400" b="1">
                           <a:solidFill>
-                            <a:schemeClr val="bg1"/>
+                            <a:srgbClr val="FFFFFF"/>
                           </a:solidFill>
+                          <a:effectLst/>
+                          <a:latin typeface="맑은 고딕" charset="-127"/>
                         </a:rPr>
                         <a:t>CSE4045</a:t>
                       </a:r>
+                      <a:endParaRPr lang="is-IS">
+                        <a:effectLst/>
+                      </a:endParaRPr>
                     </a:p>
                   </a:txBody>
                   <a:tcPr anchor="ctr">
@@ -6427,15 +7100,26 @@
                     <a:bodyPr/>
                     <a:lstStyle/>
                     <a:p>
-                      <a:pPr algn="ctr"/>
+                      <a:pPr marL="0" algn="ctr" rtl="0" fontAlgn="ctr">
+                        <a:spcBef>
+                          <a:spcPts val="0"/>
+                        </a:spcBef>
+                        <a:spcAft>
+                          <a:spcPts val="0"/>
+                        </a:spcAft>
+                      </a:pPr>
                       <a:r>
-                        <a:rPr lang="ko-KR" altLang="en-US" b="1">
+                        <a:rPr lang="ko-KR" altLang="en-US" sz="1400" b="1">
                           <a:solidFill>
-                            <a:schemeClr val="bg1"/>
+                            <a:srgbClr val="FFFFFF"/>
                           </a:solidFill>
+                          <a:effectLst/>
                         </a:rPr>
                         <a:t>모바일컴퓨팅</a:t>
                       </a:r>
+                      <a:endParaRPr lang="ko-KR" altLang="en-US">
+                        <a:effectLst/>
+                      </a:endParaRPr>
                     </a:p>
                   </a:txBody>
                   <a:tcPr anchor="ctr">
@@ -6485,15 +7169,26 @@
                     <a:bodyPr/>
                     <a:lstStyle/>
                     <a:p>
-                      <a:pPr algn="ctr"/>
+                      <a:pPr marL="0" algn="ctr" rtl="0" fontAlgn="ctr">
+                        <a:spcBef>
+                          <a:spcPts val="0"/>
+                        </a:spcBef>
+                        <a:spcAft>
+                          <a:spcPts val="0"/>
+                        </a:spcAft>
+                      </a:pPr>
                       <a:r>
-                        <a:rPr lang="ko-KR" altLang="en-US" b="1">
+                        <a:rPr lang="ko-KR" altLang="en-US" sz="1400" b="1">
                           <a:solidFill>
-                            <a:schemeClr val="bg1"/>
+                            <a:srgbClr val="FFFFFF"/>
                           </a:solidFill>
+                          <a:effectLst/>
                         </a:rPr>
                         <a:t>전공심화</a:t>
                       </a:r>
+                      <a:endParaRPr lang="ko-KR" altLang="en-US">
+                        <a:effectLst/>
+                      </a:endParaRPr>
                     </a:p>
                   </a:txBody>
                   <a:tcPr anchor="ctr">
@@ -6543,15 +7238,27 @@
                     <a:bodyPr/>
                     <a:lstStyle/>
                     <a:p>
-                      <a:pPr algn="ctr"/>
+                      <a:pPr marL="0" algn="ctr" rtl="0" fontAlgn="ctr">
+                        <a:spcBef>
+                          <a:spcPts val="0"/>
+                        </a:spcBef>
+                        <a:spcAft>
+                          <a:spcPts val="0"/>
+                        </a:spcAft>
+                      </a:pPr>
                       <a:r>
-                        <a:rPr lang="uk-UA" b="1">
+                        <a:rPr lang="uk-UA" sz="1400" b="1">
                           <a:solidFill>
-                            <a:schemeClr val="bg1"/>
+                            <a:srgbClr val="FFFFFF"/>
                           </a:solidFill>
+                          <a:effectLst/>
+                          <a:latin typeface="맑은 고딕" charset="-127"/>
                         </a:rPr>
                         <a:t>3-3-0</a:t>
                       </a:r>
+                      <a:endParaRPr lang="uk-UA">
+                        <a:effectLst/>
+                      </a:endParaRPr>
                     </a:p>
                   </a:txBody>
                   <a:tcPr anchor="ctr">
@@ -6597,21 +7304,33 @@
                   </a:tcPr>
                 </a:tc>
               </a:tr>
-              <a:tr h="767581">
+              <a:tr h="357941">
                 <a:tc>
                   <a:txBody>
                     <a:bodyPr/>
                     <a:lstStyle/>
                     <a:p>
-                      <a:pPr algn="ctr"/>
+                      <a:pPr marL="0" algn="ctr" rtl="0" fontAlgn="ctr">
+                        <a:spcBef>
+                          <a:spcPts val="0"/>
+                        </a:spcBef>
+                        <a:spcAft>
+                          <a:spcPts val="0"/>
+                        </a:spcAft>
+                      </a:pPr>
                       <a:r>
-                        <a:rPr lang="en-US" b="1">
+                        <a:rPr lang="en-US" sz="1400" b="1">
                           <a:solidFill>
-                            <a:schemeClr val="bg1"/>
+                            <a:srgbClr val="FFFFFF"/>
                           </a:solidFill>
+                          <a:effectLst/>
+                          <a:latin typeface="맑은 고딕" charset="-127"/>
                         </a:rPr>
                         <a:t>1st</a:t>
                       </a:r>
+                      <a:endParaRPr lang="en-US">
+                        <a:effectLst/>
+                      </a:endParaRPr>
                     </a:p>
                   </a:txBody>
                   <a:tcPr anchor="ctr">
@@ -6661,15 +7380,27 @@
                     <a:bodyPr/>
                     <a:lstStyle/>
                     <a:p>
-                      <a:pPr algn="ctr"/>
+                      <a:pPr marL="0" algn="ctr" rtl="0" fontAlgn="ctr">
+                        <a:spcBef>
+                          <a:spcPts val="0"/>
+                        </a:spcBef>
+                        <a:spcAft>
+                          <a:spcPts val="0"/>
+                        </a:spcAft>
+                      </a:pPr>
                       <a:r>
-                        <a:rPr lang="en-US" b="1">
+                        <a:rPr lang="en-US" sz="1400" b="1">
                           <a:solidFill>
-                            <a:schemeClr val="bg1"/>
+                            <a:srgbClr val="FFFFFF"/>
                           </a:solidFill>
+                          <a:effectLst/>
+                          <a:latin typeface="맑은 고딕" charset="-127"/>
                         </a:rPr>
                         <a:t>ITE4067</a:t>
                       </a:r>
+                      <a:endParaRPr lang="en-US">
+                        <a:effectLst/>
+                      </a:endParaRPr>
                     </a:p>
                   </a:txBody>
                   <a:tcPr anchor="ctr">
@@ -6719,15 +7450,26 @@
                     <a:bodyPr/>
                     <a:lstStyle/>
                     <a:p>
-                      <a:pPr algn="ctr"/>
+                      <a:pPr marL="0" algn="ctr" rtl="0" fontAlgn="ctr">
+                        <a:spcBef>
+                          <a:spcPts val="0"/>
+                        </a:spcBef>
+                        <a:spcAft>
+                          <a:spcPts val="0"/>
+                        </a:spcAft>
+                      </a:pPr>
                       <a:r>
-                        <a:rPr lang="ko-KR" altLang="en-US" b="1">
+                        <a:rPr lang="ko-KR" altLang="en-US" sz="1400" b="1">
                           <a:solidFill>
-                            <a:schemeClr val="bg1"/>
+                            <a:srgbClr val="FFFFFF"/>
                           </a:solidFill>
+                          <a:effectLst/>
                         </a:rPr>
                         <a:t>임베디드소프트웨어설계</a:t>
                       </a:r>
+                      <a:endParaRPr lang="ko-KR" altLang="en-US">
+                        <a:effectLst/>
+                      </a:endParaRPr>
                     </a:p>
                   </a:txBody>
                   <a:tcPr anchor="ctr">
@@ -6777,15 +7519,26 @@
                     <a:bodyPr/>
                     <a:lstStyle/>
                     <a:p>
-                      <a:pPr algn="ctr"/>
+                      <a:pPr marL="0" algn="ctr" rtl="0" fontAlgn="ctr">
+                        <a:spcBef>
+                          <a:spcPts val="0"/>
+                        </a:spcBef>
+                        <a:spcAft>
+                          <a:spcPts val="0"/>
+                        </a:spcAft>
+                      </a:pPr>
                       <a:r>
-                        <a:rPr lang="ko-KR" altLang="en-US" b="1">
+                        <a:rPr lang="ko-KR" altLang="en-US" sz="1400" b="1">
                           <a:solidFill>
-                            <a:schemeClr val="bg1"/>
+                            <a:srgbClr val="FFFFFF"/>
                           </a:solidFill>
+                          <a:effectLst/>
                         </a:rPr>
                         <a:t>전공심화</a:t>
                       </a:r>
+                      <a:endParaRPr lang="ko-KR" altLang="en-US">
+                        <a:effectLst/>
+                      </a:endParaRPr>
                     </a:p>
                   </a:txBody>
                   <a:tcPr anchor="ctr">
@@ -6835,15 +7588,27 @@
                     <a:bodyPr/>
                     <a:lstStyle/>
                     <a:p>
-                      <a:pPr algn="ctr"/>
+                      <a:pPr marL="0" algn="ctr" rtl="0" fontAlgn="ctr">
+                        <a:spcBef>
+                          <a:spcPts val="0"/>
+                        </a:spcBef>
+                        <a:spcAft>
+                          <a:spcPts val="0"/>
+                        </a:spcAft>
+                      </a:pPr>
                       <a:r>
-                        <a:rPr lang="uk-UA" b="1">
+                        <a:rPr lang="uk-UA" sz="1400" b="1">
                           <a:solidFill>
-                            <a:schemeClr val="bg1"/>
+                            <a:srgbClr val="FFFFFF"/>
                           </a:solidFill>
+                          <a:effectLst/>
+                          <a:latin typeface="맑은 고딕" charset="-127"/>
                         </a:rPr>
                         <a:t>3-3-0</a:t>
                       </a:r>
+                      <a:endParaRPr lang="uk-UA">
+                        <a:effectLst/>
+                      </a:endParaRPr>
                     </a:p>
                   </a:txBody>
                   <a:tcPr anchor="ctr">
@@ -6893,15 +7658,27 @@
                     <a:bodyPr/>
                     <a:lstStyle/>
                     <a:p>
-                      <a:pPr algn="ctr"/>
+                      <a:pPr marL="0" algn="ctr" rtl="0" fontAlgn="ctr">
+                        <a:spcBef>
+                          <a:spcPts val="0"/>
+                        </a:spcBef>
+                        <a:spcAft>
+                          <a:spcPts val="0"/>
+                        </a:spcAft>
+                      </a:pPr>
                       <a:r>
-                        <a:rPr lang="en-US" b="1">
+                        <a:rPr lang="en-US" sz="1400" b="1">
                           <a:solidFill>
-                            <a:schemeClr val="bg1"/>
+                            <a:srgbClr val="FFFFFF"/>
                           </a:solidFill>
+                          <a:effectLst/>
+                          <a:latin typeface="맑은 고딕" charset="-127"/>
                         </a:rPr>
                         <a:t>2nd</a:t>
                       </a:r>
+                      <a:endParaRPr lang="en-US">
+                        <a:effectLst/>
+                      </a:endParaRPr>
                     </a:p>
                   </a:txBody>
                   <a:tcPr anchor="ctr">
@@ -6951,15 +7728,27 @@
                     <a:bodyPr/>
                     <a:lstStyle/>
                     <a:p>
-                      <a:pPr algn="ctr"/>
+                      <a:pPr marL="0" algn="ctr" rtl="0" fontAlgn="ctr">
+                        <a:spcBef>
+                          <a:spcPts val="0"/>
+                        </a:spcBef>
+                        <a:spcAft>
+                          <a:spcPts val="0"/>
+                        </a:spcAft>
+                      </a:pPr>
                       <a:r>
-                        <a:rPr lang="is-IS" b="1">
+                        <a:rPr lang="is-IS" sz="1400" b="1">
                           <a:solidFill>
-                            <a:schemeClr val="bg1"/>
+                            <a:srgbClr val="FFFFFF"/>
                           </a:solidFill>
+                          <a:effectLst/>
+                          <a:latin typeface="맑은 고딕" charset="-127"/>
                         </a:rPr>
                         <a:t>CSE4047</a:t>
                       </a:r>
+                      <a:endParaRPr lang="is-IS">
+                        <a:effectLst/>
+                      </a:endParaRPr>
                     </a:p>
                   </a:txBody>
                   <a:tcPr anchor="ctr">
@@ -7009,15 +7798,26 @@
                     <a:bodyPr/>
                     <a:lstStyle/>
                     <a:p>
-                      <a:pPr algn="ctr"/>
+                      <a:pPr marL="0" algn="ctr" rtl="0" fontAlgn="ctr">
+                        <a:spcBef>
+                          <a:spcPts val="0"/>
+                        </a:spcBef>
+                        <a:spcAft>
+                          <a:spcPts val="0"/>
+                        </a:spcAft>
+                      </a:pPr>
                       <a:r>
-                        <a:rPr lang="ko-KR" altLang="en-US" b="1">
+                        <a:rPr lang="ko-KR" altLang="en-US" sz="1400" b="1">
                           <a:solidFill>
-                            <a:schemeClr val="bg1"/>
+                            <a:srgbClr val="FFFFFF"/>
                           </a:solidFill>
+                          <a:effectLst/>
                         </a:rPr>
                         <a:t>네트워크시큐리티</a:t>
                       </a:r>
+                      <a:endParaRPr lang="ko-KR" altLang="en-US">
+                        <a:effectLst/>
+                      </a:endParaRPr>
                     </a:p>
                   </a:txBody>
                   <a:tcPr anchor="ctr">
@@ -7067,15 +7867,26 @@
                     <a:bodyPr/>
                     <a:lstStyle/>
                     <a:p>
-                      <a:pPr algn="ctr"/>
+                      <a:pPr marL="0" algn="ctr" rtl="0" fontAlgn="ctr">
+                        <a:spcBef>
+                          <a:spcPts val="0"/>
+                        </a:spcBef>
+                        <a:spcAft>
+                          <a:spcPts val="0"/>
+                        </a:spcAft>
+                      </a:pPr>
                       <a:r>
-                        <a:rPr lang="ko-KR" altLang="en-US" b="1" dirty="0">
+                        <a:rPr lang="ko-KR" altLang="en-US" sz="1400" b="1">
                           <a:solidFill>
-                            <a:schemeClr val="bg1"/>
+                            <a:srgbClr val="FFFFFF"/>
                           </a:solidFill>
+                          <a:effectLst/>
                         </a:rPr>
                         <a:t>전공심화</a:t>
                       </a:r>
+                      <a:endParaRPr lang="ko-KR" altLang="en-US">
+                        <a:effectLst/>
+                      </a:endParaRPr>
                     </a:p>
                   </a:txBody>
                   <a:tcPr anchor="ctr">
@@ -7125,15 +7936,27 @@
                     <a:bodyPr/>
                     <a:lstStyle/>
                     <a:p>
-                      <a:pPr algn="ctr"/>
+                      <a:pPr marL="0" algn="ctr" rtl="0" fontAlgn="ctr">
+                        <a:spcBef>
+                          <a:spcPts val="0"/>
+                        </a:spcBef>
+                        <a:spcAft>
+                          <a:spcPts val="0"/>
+                        </a:spcAft>
+                      </a:pPr>
                       <a:r>
-                        <a:rPr lang="fi-FI" b="1" dirty="0">
+                        <a:rPr lang="fi-FI" sz="1400" b="1" dirty="0">
                           <a:solidFill>
-                            <a:schemeClr val="bg1"/>
+                            <a:srgbClr val="FFFFFF"/>
                           </a:solidFill>
+                          <a:effectLst/>
+                          <a:latin typeface="맑은 고딕" charset="-127"/>
                         </a:rPr>
                         <a:t>3-2-2</a:t>
                       </a:r>
+                      <a:endParaRPr lang="fi-FI" dirty="0">
+                        <a:effectLst/>
+                      </a:endParaRPr>
                     </a:p>
                   </a:txBody>
                   <a:tcPr anchor="ctr">
